--- a/0125AverageOfGrade_Design2/AveraeOfgrade_Design2.pptx
+++ b/0125AverageOfGrade_Design2/AveraeOfgrade_Design2.pptx
@@ -195,7 +195,7 @@
             <a:fld id="{8D8C9595-85B9-45FA-8361-8454E9D3F86D}" type="datetimeFigureOut">
               <a:rPr lang="ko-KR" altLang="en-US" smtClean="0"/>
               <a:pPr/>
-              <a:t>2019-01-25</a:t>
+              <a:t>2019-01-28</a:t>
             </a:fld>
             <a:endParaRPr lang="ko-KR" altLang="en-US"/>
           </a:p>
@@ -904,7 +904,7 @@
             <a:fld id="{13F5E403-CF8D-48E8-A7F0-3359C62AF75A}" type="datetimeFigureOut">
               <a:rPr lang="ko-KR" altLang="en-US" smtClean="0"/>
               <a:pPr/>
-              <a:t>2019-01-25</a:t>
+              <a:t>2019-01-28</a:t>
             </a:fld>
             <a:endParaRPr lang="ko-KR" altLang="en-US"/>
           </a:p>
@@ -1071,7 +1071,7 @@
             <a:fld id="{13F5E403-CF8D-48E8-A7F0-3359C62AF75A}" type="datetimeFigureOut">
               <a:rPr lang="ko-KR" altLang="en-US" smtClean="0"/>
               <a:pPr/>
-              <a:t>2019-01-25</a:t>
+              <a:t>2019-01-28</a:t>
             </a:fld>
             <a:endParaRPr lang="ko-KR" altLang="en-US"/>
           </a:p>
@@ -1248,7 +1248,7 @@
             <a:fld id="{13F5E403-CF8D-48E8-A7F0-3359C62AF75A}" type="datetimeFigureOut">
               <a:rPr lang="ko-KR" altLang="en-US" smtClean="0"/>
               <a:pPr/>
-              <a:t>2019-01-25</a:t>
+              <a:t>2019-01-28</a:t>
             </a:fld>
             <a:endParaRPr lang="ko-KR" altLang="en-US"/>
           </a:p>
@@ -1415,7 +1415,7 @@
             <a:fld id="{13F5E403-CF8D-48E8-A7F0-3359C62AF75A}" type="datetimeFigureOut">
               <a:rPr lang="ko-KR" altLang="en-US" smtClean="0"/>
               <a:pPr/>
-              <a:t>2019-01-25</a:t>
+              <a:t>2019-01-28</a:t>
             </a:fld>
             <a:endParaRPr lang="ko-KR" altLang="en-US"/>
           </a:p>
@@ -1658,7 +1658,7 @@
             <a:fld id="{13F5E403-CF8D-48E8-A7F0-3359C62AF75A}" type="datetimeFigureOut">
               <a:rPr lang="ko-KR" altLang="en-US" smtClean="0"/>
               <a:pPr/>
-              <a:t>2019-01-25</a:t>
+              <a:t>2019-01-28</a:t>
             </a:fld>
             <a:endParaRPr lang="ko-KR" altLang="en-US"/>
           </a:p>
@@ -1943,7 +1943,7 @@
             <a:fld id="{13F5E403-CF8D-48E8-A7F0-3359C62AF75A}" type="datetimeFigureOut">
               <a:rPr lang="ko-KR" altLang="en-US" smtClean="0"/>
               <a:pPr/>
-              <a:t>2019-01-25</a:t>
+              <a:t>2019-01-28</a:t>
             </a:fld>
             <a:endParaRPr lang="ko-KR" altLang="en-US"/>
           </a:p>
@@ -2362,7 +2362,7 @@
             <a:fld id="{13F5E403-CF8D-48E8-A7F0-3359C62AF75A}" type="datetimeFigureOut">
               <a:rPr lang="ko-KR" altLang="en-US" smtClean="0"/>
               <a:pPr/>
-              <a:t>2019-01-25</a:t>
+              <a:t>2019-01-28</a:t>
             </a:fld>
             <a:endParaRPr lang="ko-KR" altLang="en-US"/>
           </a:p>
@@ -2477,7 +2477,7 @@
             <a:fld id="{13F5E403-CF8D-48E8-A7F0-3359C62AF75A}" type="datetimeFigureOut">
               <a:rPr lang="ko-KR" altLang="en-US" smtClean="0"/>
               <a:pPr/>
-              <a:t>2019-01-25</a:t>
+              <a:t>2019-01-28</a:t>
             </a:fld>
             <a:endParaRPr lang="ko-KR" altLang="en-US"/>
           </a:p>
@@ -2569,7 +2569,7 @@
             <a:fld id="{13F5E403-CF8D-48E8-A7F0-3359C62AF75A}" type="datetimeFigureOut">
               <a:rPr lang="ko-KR" altLang="en-US" smtClean="0"/>
               <a:pPr/>
-              <a:t>2019-01-25</a:t>
+              <a:t>2019-01-28</a:t>
             </a:fld>
             <a:endParaRPr lang="ko-KR" altLang="en-US"/>
           </a:p>
@@ -2843,7 +2843,7 @@
             <a:fld id="{13F5E403-CF8D-48E8-A7F0-3359C62AF75A}" type="datetimeFigureOut">
               <a:rPr lang="ko-KR" altLang="en-US" smtClean="0"/>
               <a:pPr/>
-              <a:t>2019-01-25</a:t>
+              <a:t>2019-01-28</a:t>
             </a:fld>
             <a:endParaRPr lang="ko-KR" altLang="en-US"/>
           </a:p>
@@ -3093,7 +3093,7 @@
             <a:fld id="{13F5E403-CF8D-48E8-A7F0-3359C62AF75A}" type="datetimeFigureOut">
               <a:rPr lang="ko-KR" altLang="en-US" smtClean="0"/>
               <a:pPr/>
-              <a:t>2019-01-25</a:t>
+              <a:t>2019-01-28</a:t>
             </a:fld>
             <a:endParaRPr lang="ko-KR" altLang="en-US"/>
           </a:p>
@@ -3303,7 +3303,7 @@
             <a:fld id="{13F5E403-CF8D-48E8-A7F0-3359C62AF75A}" type="datetimeFigureOut">
               <a:rPr lang="ko-KR" altLang="en-US" smtClean="0"/>
               <a:pPr/>
-              <a:t>2019-01-25</a:t>
+              <a:t>2019-01-28</a:t>
             </a:fld>
             <a:endParaRPr lang="ko-KR" altLang="en-US"/>
           </a:p>
@@ -4991,15 +4991,18 @@
                   <a:schemeClr val="tx1"/>
                 </a:solidFill>
               </a:rPr>
-              <a:t>fStudentArr[aIndex</a:t>
-            </a:r>
+              <a:t>fStudentArr[aIndex].iName = aName</a:t>
+            </a:r>
+          </a:p>
+          <a:p>
+            <a:pPr algn="ctr"/>
             <a:r>
               <a:rPr lang="en-US" altLang="ko-KR" sz="1000" smtClean="0">
                 <a:solidFill>
                   <a:schemeClr val="tx1"/>
                 </a:solidFill>
               </a:rPr>
-              <a:t>].iName = aName</a:t>
+              <a:t>fStudentArr[aIndex].iKor = aKor</a:t>
             </a:r>
           </a:p>
           <a:p>
@@ -5010,15 +5013,18 @@
                   <a:schemeClr val="tx1"/>
                 </a:solidFill>
               </a:rPr>
-              <a:t>fStudentArr[aIndex</a:t>
-            </a:r>
+              <a:t>fStudentArr[aIndex].iEng = aEng</a:t>
+            </a:r>
+          </a:p>
+          <a:p>
+            <a:pPr algn="ctr"/>
             <a:r>
               <a:rPr lang="en-US" altLang="ko-KR" sz="1000" smtClean="0">
                 <a:solidFill>
                   <a:schemeClr val="tx1"/>
                 </a:solidFill>
               </a:rPr>
-              <a:t>].iKor = aKor</a:t>
+              <a:t>fStudentArr[aIndex].iMath = aMath</a:t>
             </a:r>
           </a:p>
           <a:p>
@@ -5029,53 +5035,7 @@
                   <a:schemeClr val="tx1"/>
                 </a:solidFill>
               </a:rPr>
-              <a:t>fStudentArr[aIndex</a:t>
-            </a:r>
-            <a:r>
-              <a:rPr lang="en-US" altLang="ko-KR" sz="1000" smtClean="0">
-                <a:solidFill>
-                  <a:schemeClr val="tx1"/>
-                </a:solidFill>
-              </a:rPr>
-              <a:t>].iEng = aEng</a:t>
-            </a:r>
-          </a:p>
-          <a:p>
-            <a:pPr algn="ctr"/>
-            <a:r>
-              <a:rPr lang="en-US" altLang="ko-KR" sz="1000" smtClean="0">
-                <a:solidFill>
-                  <a:schemeClr val="tx1"/>
-                </a:solidFill>
-              </a:rPr>
-              <a:t>fStudentArr[aIndex</a:t>
-            </a:r>
-            <a:r>
-              <a:rPr lang="en-US" altLang="ko-KR" sz="1000" smtClean="0">
-                <a:solidFill>
-                  <a:schemeClr val="tx1"/>
-                </a:solidFill>
-              </a:rPr>
-              <a:t>].iMath = aMath</a:t>
-            </a:r>
-          </a:p>
-          <a:p>
-            <a:pPr algn="ctr"/>
-            <a:r>
-              <a:rPr lang="en-US" altLang="ko-KR" sz="1000" smtClean="0">
-                <a:solidFill>
-                  <a:schemeClr val="tx1"/>
-                </a:solidFill>
-              </a:rPr>
-              <a:t>fStudentArr[aIndex</a:t>
-            </a:r>
-            <a:r>
-              <a:rPr lang="en-US" altLang="ko-KR" sz="1000" smtClean="0">
-                <a:solidFill>
-                  <a:schemeClr val="tx1"/>
-                </a:solidFill>
-              </a:rPr>
-              <a:t>].iAvg = (aKor+aEng+aMath)/3</a:t>
+              <a:t>fStudentArr[aIndex].iAvg = (aKor+aEng+aMath)/3</a:t>
             </a:r>
           </a:p>
         </p:txBody>
@@ -5655,7 +5615,7 @@
         </p:nvSpPr>
         <p:spPr>
           <a:xfrm>
-            <a:off x="9550614" y="2348880"/>
+            <a:off x="9361140" y="2348880"/>
             <a:ext cx="203451" cy="153888"/>
           </a:xfrm>
           <a:prstGeom prst="rect">
@@ -5720,15 +5680,7 @@
                   <a:schemeClr val="tx1"/>
                 </a:solidFill>
               </a:rPr>
-              <a:t>fStudentArr[i</a:t>
-            </a:r>
-            <a:r>
-              <a:rPr lang="en-US" altLang="ko-KR" sz="1000" smtClean="0">
-                <a:solidFill>
-                  <a:schemeClr val="tx1"/>
-                </a:solidFill>
-              </a:rPr>
-              <a:t>].iName</a:t>
+              <a:t>fStudentArr[i].iName</a:t>
             </a:r>
           </a:p>
           <a:p>
@@ -7092,8 +7044,8 @@
         </p:nvSpPr>
         <p:spPr>
           <a:xfrm rot="10800000" flipV="1">
-            <a:off x="288132" y="332656"/>
-            <a:ext cx="13177464" cy="6525344"/>
+            <a:off x="288132" y="285679"/>
+            <a:ext cx="11377264" cy="6525344"/>
           </a:xfrm>
           <a:prstGeom prst="rect">
             <a:avLst/>
@@ -7137,7 +7089,7 @@
         </p:nvSpPr>
         <p:spPr>
           <a:xfrm rot="10800000" flipV="1">
-            <a:off x="288132" y="1"/>
+            <a:off x="288132" y="-46976"/>
             <a:ext cx="11088322" cy="332656"/>
           </a:xfrm>
           <a:prstGeom prst="rect">
@@ -7193,7 +7145,7 @@
         </p:nvSpPr>
         <p:spPr>
           <a:xfrm>
-            <a:off x="1281754" y="382084"/>
+            <a:off x="1281754" y="335107"/>
             <a:ext cx="2280854" cy="288032"/>
           </a:xfrm>
           <a:prstGeom prst="flowChartTerminator">
@@ -7246,7 +7198,7 @@
         </p:nvSpPr>
         <p:spPr>
           <a:xfrm>
-            <a:off x="1312720" y="6539686"/>
+            <a:off x="1312720" y="6486178"/>
             <a:ext cx="2280854" cy="288032"/>
           </a:xfrm>
           <a:prstGeom prst="flowChartTerminator">
@@ -7299,7 +7251,7 @@
         </p:nvSpPr>
         <p:spPr>
           <a:xfrm>
-            <a:off x="1461124" y="1102164"/>
+            <a:off x="1461124" y="1055187"/>
             <a:ext cx="1923352" cy="445070"/>
           </a:xfrm>
           <a:prstGeom prst="flowChartDecision">
@@ -7347,7 +7299,7 @@
         </p:nvSpPr>
         <p:spPr>
           <a:xfrm rot="10800000" flipV="1">
-            <a:off x="347090" y="4564651"/>
+            <a:off x="347090" y="4517674"/>
             <a:ext cx="4164800" cy="864096"/>
           </a:xfrm>
           <a:prstGeom prst="rect">
@@ -7382,63 +7334,18 @@
                   <a:schemeClr val="tx1"/>
                 </a:solidFill>
               </a:rPr>
-              <a:t>StringGrid.Cells[0, aGridIndex] = </a:t>
-            </a:r>
+              <a:t>StringGrid.Cells[0, aGridIndex] = fStudentArr[aArrIndex].iname</a:t>
+            </a:r>
+          </a:p>
+          <a:p>
+            <a:pPr algn="ctr"/>
             <a:r>
               <a:rPr lang="en-US" altLang="ko-KR" sz="1000" smtClean="0">
                 <a:solidFill>
                   <a:schemeClr val="tx1"/>
                 </a:solidFill>
               </a:rPr>
-              <a:t>fStudentArr[aArrIndex].iname</a:t>
-            </a:r>
-            <a:endParaRPr lang="en-US" altLang="ko-KR" sz="1000" smtClean="0">
-              <a:solidFill>
-                <a:schemeClr val="tx1"/>
-              </a:solidFill>
-            </a:endParaRPr>
-          </a:p>
-          <a:p>
-            <a:pPr algn="ctr"/>
-            <a:r>
-              <a:rPr lang="en-US" altLang="ko-KR" sz="1000" smtClean="0">
-                <a:solidFill>
-                  <a:schemeClr val="tx1"/>
-                </a:solidFill>
-              </a:rPr>
-              <a:t>StringGrid.Cells[1, aGridIndex] = </a:t>
-            </a:r>
-            <a:r>
-              <a:rPr lang="en-US" altLang="ko-KR" sz="1000" smtClean="0">
-                <a:solidFill>
-                  <a:schemeClr val="tx1"/>
-                </a:solidFill>
-              </a:rPr>
-              <a:t>IntToStr(</a:t>
-            </a:r>
-            <a:r>
-              <a:rPr lang="en-US" altLang="ko-KR" sz="1000" smtClean="0">
-                <a:solidFill>
-                  <a:schemeClr val="tx1"/>
-                </a:solidFill>
-              </a:rPr>
-              <a:t>fStudentArr[aArrIndex</a:t>
-            </a:r>
-            <a:r>
-              <a:rPr lang="en-US" altLang="ko-KR" sz="1000" smtClean="0">
-                <a:solidFill>
-                  <a:schemeClr val="tx1"/>
-                </a:solidFill>
-              </a:rPr>
-              <a:t>].</a:t>
-            </a:r>
-            <a:r>
-              <a:rPr lang="en-US" altLang="ko-KR" sz="1000" smtClean="0">
-                <a:solidFill>
-                  <a:schemeClr val="tx1"/>
-                </a:solidFill>
-              </a:rPr>
-              <a:t>iKor)</a:t>
+              <a:t>StringGrid.Cells[1, aGridIndex] = IntToStr(fStudentArr[aArrIndex].iKor)</a:t>
             </a:r>
             <a:endParaRPr lang="ko-KR" altLang="en-US" sz="1000" smtClean="0">
               <a:solidFill>
@@ -7454,31 +7361,7 @@
                   <a:schemeClr val="tx1"/>
                 </a:solidFill>
               </a:rPr>
-              <a:t>StringGrid.Cells[2, aGridIndex] = </a:t>
-            </a:r>
-            <a:r>
-              <a:rPr lang="en-US" altLang="ko-KR" sz="1000" smtClean="0">
-                <a:solidFill>
-                  <a:schemeClr val="tx1"/>
-                </a:solidFill>
-              </a:rPr>
-              <a:t>IntToStr(fStudentArr[aArrIndex</a:t>
-            </a:r>
-            <a:r>
-              <a:rPr lang="en-US" altLang="ko-KR" sz="1000" smtClean="0">
-                <a:solidFill>
-                  <a:schemeClr val="tx1"/>
-                </a:solidFill>
-              </a:rPr>
-              <a:t>].</a:t>
-            </a:r>
-            <a:r>
-              <a:rPr lang="en-US" altLang="ko-KR" sz="1000" smtClean="0">
-                <a:solidFill>
-                  <a:schemeClr val="tx1"/>
-                </a:solidFill>
-              </a:rPr>
-              <a:t>iEng)</a:t>
+              <a:t>StringGrid.Cells[2, aGridIndex] = IntToStr(fStudentArr[aArrIndex].iEng)</a:t>
             </a:r>
             <a:endParaRPr lang="ko-KR" altLang="en-US" sz="1000" smtClean="0">
               <a:solidFill>
@@ -7494,31 +7377,7 @@
                   <a:schemeClr val="tx1"/>
                 </a:solidFill>
               </a:rPr>
-              <a:t>StringGrid.Cells[3, aGridIndex] = </a:t>
-            </a:r>
-            <a:r>
-              <a:rPr lang="en-US" altLang="ko-KR" sz="1000" smtClean="0">
-                <a:solidFill>
-                  <a:schemeClr val="tx1"/>
-                </a:solidFill>
-              </a:rPr>
-              <a:t>IntToStr(fStudentArr[aArrIndex</a:t>
-            </a:r>
-            <a:r>
-              <a:rPr lang="en-US" altLang="ko-KR" sz="1000" smtClean="0">
-                <a:solidFill>
-                  <a:schemeClr val="tx1"/>
-                </a:solidFill>
-              </a:rPr>
-              <a:t>].</a:t>
-            </a:r>
-            <a:r>
-              <a:rPr lang="en-US" altLang="ko-KR" sz="1000" smtClean="0">
-                <a:solidFill>
-                  <a:schemeClr val="tx1"/>
-                </a:solidFill>
-              </a:rPr>
-              <a:t>iMath)</a:t>
+              <a:t>StringGrid.Cells[3, aGridIndex] = IntToStr(fStudentArr[aArrIndex].iMath)</a:t>
             </a:r>
             <a:endParaRPr lang="ko-KR" altLang="en-US" sz="1000" smtClean="0">
               <a:solidFill>
@@ -7534,53 +7393,8 @@
                   <a:schemeClr val="tx1"/>
                 </a:solidFill>
               </a:rPr>
-              <a:t>StringGrid.Cells[4, aGridIndex] = </a:t>
-            </a:r>
-            <a:r>
-              <a:rPr lang="en-US" altLang="ko-KR" sz="1000" smtClean="0">
-                <a:solidFill>
-                  <a:schemeClr val="tx1"/>
-                </a:solidFill>
-              </a:rPr>
-              <a:t>F</a:t>
-            </a:r>
-            <a:r>
-              <a:rPr lang="en-US" altLang="ko-KR" sz="1000" smtClean="0">
-                <a:solidFill>
-                  <a:schemeClr val="tx1"/>
-                </a:solidFill>
-              </a:rPr>
-              <a:t>loatToStr(</a:t>
-            </a:r>
-            <a:r>
-              <a:rPr lang="en-US" altLang="ko-KR" sz="1000" smtClean="0">
-                <a:solidFill>
-                  <a:schemeClr val="tx1"/>
-                </a:solidFill>
-              </a:rPr>
-              <a:t>fStudentArr[aArrIndex</a:t>
-            </a:r>
-            <a:r>
-              <a:rPr lang="en-US" altLang="ko-KR" sz="1000" smtClean="0">
-                <a:solidFill>
-                  <a:schemeClr val="tx1"/>
-                </a:solidFill>
-              </a:rPr>
-              <a:t>].</a:t>
-            </a:r>
-            <a:r>
-              <a:rPr lang="en-US" altLang="ko-KR" sz="1000" smtClean="0">
-                <a:solidFill>
-                  <a:schemeClr val="tx1"/>
-                </a:solidFill>
-              </a:rPr>
-              <a:t>iAvg)</a:t>
-            </a:r>
-            <a:endParaRPr lang="en-US" altLang="ko-KR" sz="1000" smtClean="0">
-              <a:solidFill>
-                <a:schemeClr val="tx1"/>
-              </a:solidFill>
-            </a:endParaRPr>
+              <a:t>StringGrid.Cells[4, aGridIndex] = FloatToStr(fStudentArr[aArrIndex].iAvg)</a:t>
+            </a:r>
           </a:p>
         </p:txBody>
       </p:sp>
@@ -7592,7 +7406,7 @@
         </p:nvSpPr>
         <p:spPr>
           <a:xfrm>
-            <a:off x="3456484" y="1102164"/>
+            <a:off x="3456484" y="1055187"/>
             <a:ext cx="216024" cy="153888"/>
           </a:xfrm>
           <a:prstGeom prst="rect">
@@ -7621,7 +7435,7 @@
         </p:nvSpPr>
         <p:spPr>
           <a:xfrm rot="10800000" flipV="1">
-            <a:off x="7560940" y="764705"/>
+            <a:off x="7560940" y="717728"/>
             <a:ext cx="3744416" cy="288032"/>
           </a:xfrm>
           <a:prstGeom prst="rect">
@@ -7672,7 +7486,7 @@
         </p:nvCxnSpPr>
         <p:spPr>
           <a:xfrm>
-            <a:off x="2422800" y="1547234"/>
+            <a:off x="2422800" y="1500257"/>
             <a:ext cx="858" cy="143200"/>
           </a:xfrm>
           <a:prstGeom prst="straightConnector1">
@@ -7705,7 +7519,7 @@
         </p:nvSpPr>
         <p:spPr>
           <a:xfrm rot="10800000" flipV="1">
-            <a:off x="465100" y="5554155"/>
+            <a:off x="465100" y="5507178"/>
             <a:ext cx="3945236" cy="864096"/>
           </a:xfrm>
           <a:prstGeom prst="rect">
@@ -7800,8 +7614,8 @@
         </p:nvCxnSpPr>
         <p:spPr>
           <a:xfrm>
-            <a:off x="2437718" y="6418251"/>
-            <a:ext cx="15429" cy="121435"/>
+            <a:off x="2437718" y="6371274"/>
+            <a:ext cx="15429" cy="114904"/>
           </a:xfrm>
           <a:prstGeom prst="straightConnector1">
             <a:avLst/>
@@ -7833,7 +7647,7 @@
         </p:nvSpPr>
         <p:spPr>
           <a:xfrm>
-            <a:off x="2232348" y="1534212"/>
+            <a:off x="2232348" y="1487235"/>
             <a:ext cx="216024" cy="153888"/>
           </a:xfrm>
           <a:prstGeom prst="rect">
@@ -7862,7 +7676,7 @@
         </p:nvSpPr>
         <p:spPr>
           <a:xfrm rot="10800000" flipV="1">
-            <a:off x="7560940" y="1052737"/>
+            <a:off x="7560940" y="1005760"/>
             <a:ext cx="3744416" cy="1080120"/>
           </a:xfrm>
           <a:prstGeom prst="rect">
@@ -7907,7 +7721,7 @@
         </p:nvSpPr>
         <p:spPr>
           <a:xfrm>
-            <a:off x="321084" y="340894"/>
+            <a:off x="321084" y="293917"/>
             <a:ext cx="2448272" cy="153888"/>
           </a:xfrm>
           <a:prstGeom prst="rect">
@@ -7922,11 +7736,7 @@
           <a:p>
             <a:r>
               <a:rPr lang="en-US" altLang="ko-KR" sz="1000" smtClean="0"/>
-              <a:t>i, aGridIndex </a:t>
-            </a:r>
-            <a:r>
-              <a:rPr lang="en-US" altLang="ko-KR" sz="1000" smtClean="0"/>
-              <a:t>: Int, </a:t>
+              <a:t>i, aGridIndex : Int, </a:t>
             </a:r>
           </a:p>
         </p:txBody>
@@ -7942,7 +7752,7 @@
         </p:nvCxnSpPr>
         <p:spPr>
           <a:xfrm flipH="1">
-            <a:off x="9430954" y="2132857"/>
+            <a:off x="9430954" y="2085880"/>
             <a:ext cx="2194" cy="216023"/>
           </a:xfrm>
           <a:prstGeom prst="straightConnector1">
@@ -7975,7 +7785,7 @@
         </p:nvSpPr>
         <p:spPr>
           <a:xfrm>
-            <a:off x="8012016" y="1157696"/>
+            <a:off x="8012016" y="1110719"/>
             <a:ext cx="2859456" cy="301054"/>
           </a:xfrm>
           <a:prstGeom prst="flowChartDecision">
@@ -8023,7 +7833,7 @@
         </p:nvSpPr>
         <p:spPr>
           <a:xfrm>
-            <a:off x="10801300" y="1114872"/>
+            <a:off x="10801300" y="1067895"/>
             <a:ext cx="216024" cy="153888"/>
           </a:xfrm>
           <a:prstGeom prst="rect">
@@ -8052,7 +7862,7 @@
         </p:nvSpPr>
         <p:spPr>
           <a:xfrm>
-            <a:off x="9217124" y="1437490"/>
+            <a:off x="9217124" y="1390513"/>
             <a:ext cx="216024" cy="153888"/>
           </a:xfrm>
           <a:prstGeom prst="rect">
@@ -8081,7 +7891,7 @@
         </p:nvSpPr>
         <p:spPr>
           <a:xfrm rot="10800000" flipV="1">
-            <a:off x="10225236" y="1484784"/>
+            <a:off x="10225236" y="1437807"/>
             <a:ext cx="936104" cy="216024"/>
           </a:xfrm>
           <a:prstGeom prst="rect">
@@ -8129,7 +7939,7 @@
         </p:nvSpPr>
         <p:spPr>
           <a:xfrm rot="10800000" flipV="1">
-            <a:off x="10225236" y="1797530"/>
+            <a:off x="10225236" y="1750553"/>
             <a:ext cx="936104" cy="216024"/>
           </a:xfrm>
           <a:prstGeom prst="rect">
@@ -8180,7 +7990,7 @@
         </p:nvCxnSpPr>
         <p:spPr>
           <a:xfrm flipH="1">
-            <a:off x="10693288" y="1308223"/>
+            <a:off x="10693288" y="1261246"/>
             <a:ext cx="178184" cy="176561"/>
           </a:xfrm>
           <a:prstGeom prst="bentConnector4">
@@ -8219,7 +8029,7 @@
         </p:nvCxnSpPr>
         <p:spPr>
           <a:xfrm>
-            <a:off x="10693288" y="1700808"/>
+            <a:off x="10693288" y="1653831"/>
             <a:ext cx="0" cy="96722"/>
           </a:xfrm>
           <a:prstGeom prst="straightConnector1">
@@ -8255,7 +8065,7 @@
         </p:nvCxnSpPr>
         <p:spPr>
           <a:xfrm flipH="1">
-            <a:off x="9433148" y="1458750"/>
+            <a:off x="9433148" y="1411773"/>
             <a:ext cx="8596" cy="674107"/>
           </a:xfrm>
           <a:prstGeom prst="straightConnector1">
@@ -8291,7 +8101,7 @@
         </p:nvCxnSpPr>
         <p:spPr>
           <a:xfrm>
-            <a:off x="9433148" y="1052737"/>
+            <a:off x="9433148" y="1005760"/>
             <a:ext cx="8596" cy="104959"/>
           </a:xfrm>
           <a:prstGeom prst="straightConnector1">
@@ -8326,7 +8136,7 @@
         </p:nvCxnSpPr>
         <p:spPr>
           <a:xfrm>
-            <a:off x="3384476" y="1324699"/>
+            <a:off x="3384476" y="1277722"/>
             <a:ext cx="4176464" cy="16069"/>
           </a:xfrm>
           <a:prstGeom prst="straightConnector1">
@@ -8359,7 +8169,7 @@
         </p:nvSpPr>
         <p:spPr>
           <a:xfrm>
-            <a:off x="8001226" y="2348880"/>
+            <a:off x="8001226" y="2301903"/>
             <a:ext cx="2859456" cy="301054"/>
           </a:xfrm>
           <a:prstGeom prst="flowChartDecision">
@@ -8402,16 +8212,13 @@
                   <a:schemeClr val="tx1"/>
                 </a:solidFill>
               </a:rPr>
-              <a:t>&lt; </a:t>
-            </a:r>
-            <a:r>
-              <a:rPr lang="en-US" altLang="ko-KR" sz="1000" smtClean="0">
-                <a:solidFill>
-                  <a:schemeClr val="tx1"/>
-                </a:solidFill>
-              </a:rPr>
-              <a:t>-1</a:t>
-            </a:r>
+              <a:t>&lt; 0</a:t>
+            </a:r>
+            <a:endParaRPr lang="en-US" altLang="ko-KR" sz="1000" smtClean="0">
+              <a:solidFill>
+                <a:schemeClr val="tx1"/>
+              </a:solidFill>
+            </a:endParaRPr>
           </a:p>
         </p:txBody>
       </p:sp>
@@ -8420,18 +8227,17 @@
           <p:cNvPr id="96" name="꺾인 연결선 95"/>
           <p:cNvCxnSpPr>
             <a:stCxn id="93" idx="3"/>
-            <a:endCxn id="105" idx="3"/>
           </p:cNvCxnSpPr>
           <p:nvPr/>
         </p:nvCxnSpPr>
         <p:spPr>
           <a:xfrm flipH="1">
-            <a:off x="3593574" y="2499407"/>
-            <a:ext cx="7267108" cy="4184295"/>
+            <a:off x="2467965" y="2452430"/>
+            <a:ext cx="8392717" cy="3966991"/>
           </a:xfrm>
           <a:prstGeom prst="bentConnector3">
             <a:avLst>
-              <a:gd name="adj1" fmla="val -8587"/>
+              <a:gd name="adj1" fmla="val -5603"/>
             </a:avLst>
           </a:prstGeom>
           <a:ln>
@@ -8461,7 +8267,7 @@
         </p:nvSpPr>
         <p:spPr>
           <a:xfrm>
-            <a:off x="10801300" y="2348880"/>
+            <a:off x="10801300" y="2301903"/>
             <a:ext cx="216024" cy="153888"/>
           </a:xfrm>
           <a:prstGeom prst="rect">
@@ -8490,7 +8296,7 @@
         </p:nvSpPr>
         <p:spPr>
           <a:xfrm>
-            <a:off x="9721180" y="2636912"/>
+            <a:off x="9721180" y="2589935"/>
             <a:ext cx="216024" cy="153888"/>
           </a:xfrm>
           <a:prstGeom prst="rect">
@@ -8519,7 +8325,7 @@
         </p:nvGrpSpPr>
         <p:grpSpPr>
           <a:xfrm>
-            <a:off x="7674476" y="2852934"/>
+            <a:off x="7674476" y="2805957"/>
             <a:ext cx="3528392" cy="1584176"/>
             <a:chOff x="5256684" y="3284985"/>
             <a:chExt cx="2880320" cy="480053"/>
@@ -8627,7 +8433,7 @@
         </p:nvSpPr>
         <p:spPr>
           <a:xfrm rot="10800000" flipV="1">
-            <a:off x="7913360" y="3212976"/>
+            <a:off x="7913360" y="3165999"/>
             <a:ext cx="3063392" cy="1008112"/>
           </a:xfrm>
           <a:prstGeom prst="rect">
@@ -8662,85 +8468,8 @@
                   <a:schemeClr val="tx1"/>
                 </a:solidFill>
               </a:rPr>
-              <a:t>StringGrid.Cells[0, i] = StringGrid.Cells[0, i+1</a:t>
-            </a:r>
-            <a:r>
-              <a:rPr lang="en-US" altLang="ko-KR" sz="1000" smtClean="0">
-                <a:solidFill>
-                  <a:schemeClr val="tx1"/>
-                </a:solidFill>
-              </a:rPr>
-              <a:t>] StringGrid.Cells[1</a:t>
-            </a:r>
-            <a:r>
-              <a:rPr lang="en-US" altLang="ko-KR" sz="1000" smtClean="0">
-                <a:solidFill>
-                  <a:schemeClr val="tx1"/>
-                </a:solidFill>
-              </a:rPr>
-              <a:t>, i] = StringGrid.Cells[1, i+1</a:t>
-            </a:r>
-            <a:r>
-              <a:rPr lang="en-US" altLang="ko-KR" sz="1000" smtClean="0">
-                <a:solidFill>
-                  <a:schemeClr val="tx1"/>
-                </a:solidFill>
-              </a:rPr>
-              <a:t>] StringGrid.Cells[2</a:t>
-            </a:r>
-            <a:r>
-              <a:rPr lang="en-US" altLang="ko-KR" sz="1000" smtClean="0">
-                <a:solidFill>
-                  <a:schemeClr val="tx1"/>
-                </a:solidFill>
-              </a:rPr>
-              <a:t>, i] = StringGrid.Cells[2, i+1</a:t>
-            </a:r>
-            <a:r>
-              <a:rPr lang="en-US" altLang="ko-KR" sz="1000" smtClean="0">
-                <a:solidFill>
-                  <a:schemeClr val="tx1"/>
-                </a:solidFill>
-              </a:rPr>
-              <a:t>] StringGrid.Cells[3</a:t>
-            </a:r>
-            <a:r>
-              <a:rPr lang="en-US" altLang="ko-KR" sz="1000" smtClean="0">
-                <a:solidFill>
-                  <a:schemeClr val="tx1"/>
-                </a:solidFill>
-              </a:rPr>
-              <a:t>, i] = StringGrid.Cells[3, i+1</a:t>
-            </a:r>
-            <a:r>
-              <a:rPr lang="en-US" altLang="ko-KR" sz="1000" smtClean="0">
-                <a:solidFill>
-                  <a:schemeClr val="tx1"/>
-                </a:solidFill>
-              </a:rPr>
-              <a:t>] StringGrid.Cells[4</a:t>
-            </a:r>
-            <a:r>
-              <a:rPr lang="en-US" altLang="ko-KR" sz="1000" smtClean="0">
-                <a:solidFill>
-                  <a:schemeClr val="tx1"/>
-                </a:solidFill>
-              </a:rPr>
-              <a:t>, i] = StringGrid.Cells[4, i+1</a:t>
-            </a:r>
-            <a:r>
-              <a:rPr lang="en-US" altLang="ko-KR" sz="1000" smtClean="0">
-                <a:solidFill>
-                  <a:schemeClr val="tx1"/>
-                </a:solidFill>
-              </a:rPr>
-              <a:t>]</a:t>
-            </a:r>
-            <a:endParaRPr lang="en-US" altLang="ko-KR" sz="1000" smtClean="0">
-              <a:solidFill>
-                <a:schemeClr val="tx1"/>
-              </a:solidFill>
-            </a:endParaRPr>
+              <a:t>StringGrid.Cells[0, i] = StringGrid.Cells[0, i+1] StringGrid.Cells[1, i] = StringGrid.Cells[1, i+1] StringGrid.Cells[2, i] = StringGrid.Cells[2, i+1] StringGrid.Cells[3, i] = StringGrid.Cells[3, i+1] StringGrid.Cells[4, i] = StringGrid.Cells[4, i+1]</a:t>
+            </a:r>
           </a:p>
         </p:txBody>
       </p:sp>
@@ -8755,7 +8484,7 @@
         </p:nvCxnSpPr>
         <p:spPr>
           <a:xfrm>
-            <a:off x="9430954" y="2649934"/>
+            <a:off x="9430954" y="2602957"/>
             <a:ext cx="7718" cy="203000"/>
           </a:xfrm>
           <a:prstGeom prst="straightConnector1">
@@ -8791,7 +8520,7 @@
         </p:nvCxnSpPr>
         <p:spPr>
           <a:xfrm>
-            <a:off x="9438672" y="3068961"/>
+            <a:off x="9438672" y="3021984"/>
             <a:ext cx="6384" cy="144015"/>
           </a:xfrm>
           <a:prstGeom prst="straightConnector1">
@@ -8827,7 +8556,7 @@
         </p:nvCxnSpPr>
         <p:spPr>
           <a:xfrm flipH="1">
-            <a:off x="9438672" y="4221088"/>
+            <a:off x="9438672" y="4174111"/>
             <a:ext cx="6384" cy="216024"/>
           </a:xfrm>
           <a:prstGeom prst="straightConnector1">
@@ -8860,7 +8589,7 @@
         </p:nvSpPr>
         <p:spPr>
           <a:xfrm rot="10800000" flipV="1">
-            <a:off x="7999092" y="4653135"/>
+            <a:off x="7999092" y="4606158"/>
             <a:ext cx="2874216" cy="216024"/>
           </a:xfrm>
           <a:prstGeom prst="rect">
@@ -8908,7 +8637,7 @@
         </p:nvSpPr>
         <p:spPr>
           <a:xfrm rot="10800000" flipV="1">
-            <a:off x="551450" y="1690434"/>
+            <a:off x="551450" y="1643457"/>
             <a:ext cx="3744416" cy="288032"/>
           </a:xfrm>
           <a:prstGeom prst="rect">
@@ -8943,21 +8672,8 @@
                   <a:schemeClr val="tx1"/>
                 </a:solidFill>
               </a:rPr>
-              <a:t>i = 1 , i &lt; </a:t>
-            </a:r>
-            <a:r>
-              <a:rPr lang="en-US" altLang="ko-KR" sz="1000" smtClean="0">
-                <a:solidFill>
-                  <a:schemeClr val="tx1"/>
-                </a:solidFill>
-              </a:rPr>
-              <a:t>StringGrid.RowCount</a:t>
-            </a:r>
-            <a:endParaRPr lang="en-US" altLang="ko-KR" sz="1000" smtClean="0">
-              <a:solidFill>
-                <a:schemeClr val="tx1"/>
-              </a:solidFill>
-            </a:endParaRPr>
+              <a:t>i = 1 , i &lt; StringGrid.RowCount</a:t>
+            </a:r>
           </a:p>
         </p:txBody>
       </p:sp>
@@ -8969,7 +8685,7 @@
         </p:nvSpPr>
         <p:spPr>
           <a:xfrm rot="10800000" flipV="1">
-            <a:off x="551450" y="1978467"/>
+            <a:off x="551450" y="1931490"/>
             <a:ext cx="3744416" cy="874469"/>
           </a:xfrm>
           <a:prstGeom prst="rect">
@@ -9014,7 +8730,7 @@
         </p:nvSpPr>
         <p:spPr>
           <a:xfrm>
-            <a:off x="1002526" y="2109461"/>
+            <a:off x="1002526" y="2062484"/>
             <a:ext cx="2859456" cy="301054"/>
           </a:xfrm>
           <a:prstGeom prst="flowChartDecision">
@@ -9062,7 +8778,7 @@
         </p:nvSpPr>
         <p:spPr>
           <a:xfrm>
-            <a:off x="3791810" y="2040602"/>
+            <a:off x="3791810" y="1993625"/>
             <a:ext cx="216024" cy="153888"/>
           </a:xfrm>
           <a:prstGeom prst="rect">
@@ -9091,7 +8807,7 @@
         </p:nvSpPr>
         <p:spPr>
           <a:xfrm>
-            <a:off x="2135626" y="2400643"/>
+            <a:off x="2135626" y="2353666"/>
             <a:ext cx="216024" cy="153888"/>
           </a:xfrm>
           <a:prstGeom prst="rect">
@@ -9120,7 +8836,7 @@
         </p:nvSpPr>
         <p:spPr>
           <a:xfrm rot="10800000" flipV="1">
-            <a:off x="3215746" y="2410514"/>
+            <a:off x="3215746" y="2363537"/>
             <a:ext cx="936104" cy="154390"/>
           </a:xfrm>
           <a:prstGeom prst="rect">
@@ -9168,7 +8884,7 @@
         </p:nvSpPr>
         <p:spPr>
           <a:xfrm rot="10800000" flipV="1">
-            <a:off x="3215746" y="2678102"/>
+            <a:off x="3215746" y="2631125"/>
             <a:ext cx="936104" cy="129676"/>
           </a:xfrm>
           <a:prstGeom prst="rect">
@@ -9219,7 +8935,7 @@
         </p:nvCxnSpPr>
         <p:spPr>
           <a:xfrm flipH="1">
-            <a:off x="3683798" y="2259988"/>
+            <a:off x="3683798" y="2213011"/>
             <a:ext cx="178184" cy="150526"/>
           </a:xfrm>
           <a:prstGeom prst="bentConnector4">
@@ -9258,7 +8974,7 @@
         </p:nvCxnSpPr>
         <p:spPr>
           <a:xfrm>
-            <a:off x="3683798" y="2564904"/>
+            <a:off x="3683798" y="2517927"/>
             <a:ext cx="0" cy="113198"/>
           </a:xfrm>
           <a:prstGeom prst="straightConnector1">
@@ -9294,7 +9010,7 @@
         </p:nvCxnSpPr>
         <p:spPr>
           <a:xfrm flipH="1">
-            <a:off x="2423658" y="2410515"/>
+            <a:off x="2423658" y="2363538"/>
             <a:ext cx="8596" cy="442421"/>
           </a:xfrm>
           <a:prstGeom prst="straightConnector1">
@@ -9330,7 +9046,7 @@
         </p:nvCxnSpPr>
         <p:spPr>
           <a:xfrm>
-            <a:off x="2423658" y="1978467"/>
+            <a:off x="2423658" y="1931490"/>
             <a:ext cx="8596" cy="130994"/>
           </a:xfrm>
           <a:prstGeom prst="straightConnector1">
@@ -9363,7 +9079,7 @@
         </p:nvSpPr>
         <p:spPr>
           <a:xfrm>
-            <a:off x="3248698" y="2869412"/>
+            <a:off x="3248698" y="2822435"/>
             <a:ext cx="216024" cy="153888"/>
           </a:xfrm>
           <a:prstGeom prst="rect">
@@ -9392,7 +9108,7 @@
         </p:nvSpPr>
         <p:spPr>
           <a:xfrm rot="10800000" flipV="1">
-            <a:off x="1960792" y="781180"/>
+            <a:off x="1960792" y="734203"/>
             <a:ext cx="936104" cy="216024"/>
           </a:xfrm>
           <a:prstGeom prst="rect">
@@ -9443,7 +9159,7 @@
         </p:nvCxnSpPr>
         <p:spPr>
           <a:xfrm>
-            <a:off x="2422181" y="670116"/>
+            <a:off x="2422181" y="623139"/>
             <a:ext cx="6663" cy="111064"/>
           </a:xfrm>
           <a:prstGeom prst="straightConnector1">
@@ -9479,7 +9195,7 @@
         </p:nvCxnSpPr>
         <p:spPr>
           <a:xfrm flipH="1">
-            <a:off x="2422800" y="997204"/>
+            <a:off x="2422800" y="950227"/>
             <a:ext cx="6044" cy="104960"/>
           </a:xfrm>
           <a:prstGeom prst="straightConnector1">
@@ -9512,7 +9228,7 @@
         </p:nvSpPr>
         <p:spPr>
           <a:xfrm>
-            <a:off x="1464974" y="2924944"/>
+            <a:off x="1464974" y="2877967"/>
             <a:ext cx="1923352" cy="216024"/>
           </a:xfrm>
           <a:prstGeom prst="flowChartDecision">
@@ -9547,31 +9263,7 @@
                   <a:schemeClr val="tx1"/>
                 </a:solidFill>
               </a:rPr>
-              <a:t>aGridIndex </a:t>
-            </a:r>
-            <a:r>
-              <a:rPr lang="en-US" altLang="ko-KR" sz="1000" smtClean="0">
-                <a:solidFill>
-                  <a:schemeClr val="tx1"/>
-                </a:solidFill>
-              </a:rPr>
-              <a:t>&lt;</a:t>
-            </a:r>
-            <a:r>
-              <a:rPr lang="en-US" altLang="ko-KR" sz="1000" smtClean="0">
-                <a:solidFill>
-                  <a:schemeClr val="tx1"/>
-                </a:solidFill>
-              </a:rPr>
-              <a:t> </a:t>
-            </a:r>
-            <a:r>
-              <a:rPr lang="en-US" altLang="ko-KR" sz="1000" smtClean="0">
-                <a:solidFill>
-                  <a:schemeClr val="tx1"/>
-                </a:solidFill>
-              </a:rPr>
-              <a:t>0</a:t>
+              <a:t>aGridIndex &lt; 0</a:t>
             </a:r>
           </a:p>
         </p:txBody>
@@ -9587,7 +9279,7 @@
         </p:nvCxnSpPr>
         <p:spPr>
           <a:xfrm flipH="1">
-            <a:off x="9436200" y="4437110"/>
+            <a:off x="9436200" y="4390133"/>
             <a:ext cx="2472" cy="216025"/>
           </a:xfrm>
           <a:prstGeom prst="straightConnector1">
@@ -9622,8 +9314,8 @@
         </p:nvCxnSpPr>
         <p:spPr>
           <a:xfrm rot="5400000">
-            <a:off x="6605767" y="2662086"/>
-            <a:ext cx="623360" cy="5037507"/>
+            <a:off x="5631313" y="1632711"/>
+            <a:ext cx="615417" cy="6994358"/>
           </a:xfrm>
           <a:prstGeom prst="bentConnector2">
             <a:avLst/>
@@ -9655,7 +9347,7 @@
         </p:nvSpPr>
         <p:spPr>
           <a:xfrm>
-            <a:off x="2232348" y="3140968"/>
+            <a:off x="2232348" y="3093991"/>
             <a:ext cx="216024" cy="153888"/>
           </a:xfrm>
           <a:prstGeom prst="rect">
@@ -9673,7 +9365,6 @@
               <a:rPr lang="en-US" altLang="ko-KR" sz="1000" smtClean="0"/>
               <a:t>No</a:t>
             </a:r>
-            <a:endParaRPr lang="en-US" altLang="ko-KR" sz="1000" smtClean="0"/>
           </a:p>
         </p:txBody>
       </p:sp>
@@ -9688,7 +9379,7 @@
         </p:nvCxnSpPr>
         <p:spPr>
           <a:xfrm rot="16200000" flipH="1">
-            <a:off x="1716229" y="3851389"/>
+            <a:off x="1716229" y="3804412"/>
             <a:ext cx="1423683" cy="2840"/>
           </a:xfrm>
           <a:prstGeom prst="bentConnector3">
@@ -9726,7 +9417,7 @@
         </p:nvCxnSpPr>
         <p:spPr>
           <a:xfrm>
-            <a:off x="2429490" y="5428747"/>
+            <a:off x="2429490" y="5381770"/>
             <a:ext cx="8228" cy="125408"/>
           </a:xfrm>
           <a:prstGeom prst="straightConnector1">
@@ -9762,7 +9453,7 @@
         </p:nvCxnSpPr>
         <p:spPr>
           <a:xfrm>
-            <a:off x="2423658" y="2852936"/>
+            <a:off x="2423658" y="2805959"/>
             <a:ext cx="2992" cy="72008"/>
           </a:xfrm>
           <a:prstGeom prst="straightConnector1">
@@ -9795,7 +9486,7 @@
         </p:nvSpPr>
         <p:spPr>
           <a:xfrm rot="10800000" flipV="1">
-            <a:off x="2584150" y="4044118"/>
+            <a:off x="2584150" y="3997141"/>
             <a:ext cx="2808312" cy="176969"/>
           </a:xfrm>
           <a:prstGeom prst="rect">
@@ -9832,11 +9523,6 @@
               </a:rPr>
               <a:t>aGridIndex = StringGrid.RowCount -1</a:t>
             </a:r>
-            <a:endParaRPr lang="en-US" altLang="ko-KR" sz="1000" smtClean="0">
-              <a:solidFill>
-                <a:schemeClr val="tx1"/>
-              </a:solidFill>
-            </a:endParaRPr>
           </a:p>
         </p:txBody>
       </p:sp>
@@ -9850,7 +9536,7 @@
         </p:nvCxnSpPr>
         <p:spPr>
           <a:xfrm rot="5400000">
-            <a:off x="3159758" y="3517943"/>
+            <a:off x="3159758" y="3470966"/>
             <a:ext cx="125405" cy="1531693"/>
           </a:xfrm>
           <a:prstGeom prst="bentConnector2">
@@ -9883,7 +9569,7 @@
         </p:nvSpPr>
         <p:spPr>
           <a:xfrm rot="10800000" flipV="1">
-            <a:off x="2584150" y="3717032"/>
+            <a:off x="2584150" y="3670055"/>
             <a:ext cx="2808312" cy="176969"/>
           </a:xfrm>
           <a:prstGeom prst="rect">
@@ -9918,37 +9604,8 @@
                   <a:schemeClr val="tx1"/>
                 </a:solidFill>
               </a:rPr>
-              <a:t>StringGrid.RowCount = </a:t>
-            </a:r>
-            <a:r>
-              <a:rPr lang="en-US" altLang="ko-KR" sz="1000" smtClean="0">
-                <a:solidFill>
-                  <a:schemeClr val="tx1"/>
-                </a:solidFill>
-              </a:rPr>
-              <a:t>StringGrid.RowCount</a:t>
-            </a:r>
-            <a:r>
-              <a:rPr lang="en-US" altLang="ko-KR" sz="1000" smtClean="0">
-                <a:solidFill>
-                  <a:schemeClr val="tx1"/>
-                </a:solidFill>
-              </a:rPr>
-              <a:t> </a:t>
-            </a:r>
-            <a:r>
-              <a:rPr lang="en-US" altLang="ko-KR" sz="1000" smtClean="0">
-                <a:solidFill>
-                  <a:schemeClr val="tx1"/>
-                </a:solidFill>
-              </a:rPr>
-              <a:t>+1</a:t>
-            </a:r>
-            <a:endParaRPr lang="en-US" altLang="ko-KR" sz="1000" smtClean="0">
-              <a:solidFill>
-                <a:schemeClr val="tx1"/>
-              </a:solidFill>
-            </a:endParaRPr>
+              <a:t>StringGrid.RowCount = StringGrid.RowCount +1</a:t>
+            </a:r>
           </a:p>
         </p:txBody>
       </p:sp>
@@ -9963,7 +9620,7 @@
         </p:nvCxnSpPr>
         <p:spPr>
           <a:xfrm>
-            <a:off x="3988306" y="3894001"/>
+            <a:off x="3988306" y="3847024"/>
             <a:ext cx="0" cy="150117"/>
           </a:xfrm>
           <a:prstGeom prst="straightConnector1">
@@ -9996,7 +9653,7 @@
         </p:nvSpPr>
         <p:spPr>
           <a:xfrm rot="10800000" flipV="1">
-            <a:off x="5616724" y="3573016"/>
+            <a:off x="5616724" y="3526039"/>
             <a:ext cx="1080120" cy="144016"/>
           </a:xfrm>
           <a:prstGeom prst="rect">
@@ -10033,11 +9690,6 @@
               </a:rPr>
               <a:t>aGridIndex = 1</a:t>
             </a:r>
-            <a:endParaRPr lang="en-US" altLang="ko-KR" sz="1000" smtClean="0">
-              <a:solidFill>
-                <a:schemeClr val="tx1"/>
-              </a:solidFill>
-            </a:endParaRPr>
           </a:p>
         </p:txBody>
       </p:sp>
@@ -10049,7 +9701,7 @@
         </p:nvSpPr>
         <p:spPr>
           <a:xfrm>
-            <a:off x="2592388" y="3212976"/>
+            <a:off x="2592388" y="3165999"/>
             <a:ext cx="2787448" cy="360040"/>
           </a:xfrm>
           <a:prstGeom prst="flowChartDecision">
@@ -10086,11 +9738,6 @@
               </a:rPr>
               <a:t>StringGrid.RowCount[1] = ''</a:t>
             </a:r>
-            <a:endParaRPr lang="en-US" altLang="ko-KR" sz="1000" smtClean="0">
-              <a:solidFill>
-                <a:schemeClr val="tx1"/>
-              </a:solidFill>
-            </a:endParaRPr>
           </a:p>
         </p:txBody>
       </p:sp>
@@ -10105,7 +9752,7 @@
         </p:nvCxnSpPr>
         <p:spPr>
           <a:xfrm>
-            <a:off x="3388326" y="3032956"/>
+            <a:off x="3388326" y="2985979"/>
             <a:ext cx="597786" cy="180020"/>
           </a:xfrm>
           <a:prstGeom prst="bentConnector2">
@@ -10141,7 +9788,7 @@
         </p:nvCxnSpPr>
         <p:spPr>
           <a:xfrm>
-            <a:off x="3986112" y="3573016"/>
+            <a:off x="3986112" y="3526039"/>
             <a:ext cx="2194" cy="144016"/>
           </a:xfrm>
           <a:prstGeom prst="straightConnector1">
@@ -10177,7 +9824,7 @@
         </p:nvCxnSpPr>
         <p:spPr>
           <a:xfrm>
-            <a:off x="5379836" y="3392996"/>
+            <a:off x="5379836" y="3346019"/>
             <a:ext cx="776948" cy="180020"/>
           </a:xfrm>
           <a:prstGeom prst="bentConnector2">
@@ -10212,7 +9859,7 @@
         </p:nvCxnSpPr>
         <p:spPr>
           <a:xfrm rot="5400000">
-            <a:off x="3942538" y="2222866"/>
+            <a:off x="3942538" y="2175889"/>
             <a:ext cx="720080" cy="3708412"/>
           </a:xfrm>
           <a:prstGeom prst="bentConnector2">
@@ -10237,6 +9884,64 @@
           </a:fontRef>
         </p:style>
       </p:cxnSp>
+      <p:sp>
+        <p:nvSpPr>
+          <p:cNvPr id="71" name="TextBox 70"/>
+          <p:cNvSpPr txBox="1"/>
+          <p:nvPr/>
+        </p:nvSpPr>
+        <p:spPr>
+          <a:xfrm>
+            <a:off x="5256684" y="3165999"/>
+            <a:ext cx="216024" cy="153888"/>
+          </a:xfrm>
+          <a:prstGeom prst="rect">
+            <a:avLst/>
+          </a:prstGeom>
+          <a:noFill/>
+        </p:spPr>
+        <p:txBody>
+          <a:bodyPr wrap="square" lIns="0" tIns="0" rIns="0" bIns="0" rtlCol="0">
+            <a:spAutoFit/>
+          </a:bodyPr>
+          <a:lstStyle/>
+          <a:p>
+            <a:r>
+              <a:rPr lang="en-US" altLang="ko-KR" sz="1000" smtClean="0"/>
+              <a:t>Yes</a:t>
+            </a:r>
+          </a:p>
+        </p:txBody>
+      </p:sp>
+      <p:sp>
+        <p:nvSpPr>
+          <p:cNvPr id="73" name="TextBox 72"/>
+          <p:cNvSpPr txBox="1"/>
+          <p:nvPr/>
+        </p:nvSpPr>
+        <p:spPr>
+          <a:xfrm>
+            <a:off x="3672508" y="3526039"/>
+            <a:ext cx="216024" cy="153888"/>
+          </a:xfrm>
+          <a:prstGeom prst="rect">
+            <a:avLst/>
+          </a:prstGeom>
+          <a:noFill/>
+        </p:spPr>
+        <p:txBody>
+          <a:bodyPr wrap="square" lIns="0" tIns="0" rIns="0" bIns="0" rtlCol="0">
+            <a:spAutoFit/>
+          </a:bodyPr>
+          <a:lstStyle/>
+          <a:p>
+            <a:r>
+              <a:rPr lang="en-US" altLang="ko-KR" sz="1000" smtClean="0"/>
+              <a:t>No</a:t>
+            </a:r>
+          </a:p>
+        </p:txBody>
+      </p:sp>
     </p:spTree>
   </p:cSld>
   <p:clrMapOvr>

--- a/0125AverageOfGrade_Design2/AveraeOfgrade_Design2.pptx
+++ b/0125AverageOfGrade_Design2/AveraeOfgrade_Design2.pptx
@@ -195,7 +195,7 @@
             <a:fld id="{8D8C9595-85B9-45FA-8361-8454E9D3F86D}" type="datetimeFigureOut">
               <a:rPr lang="ko-KR" altLang="en-US" smtClean="0"/>
               <a:pPr/>
-              <a:t>2019-01-28</a:t>
+              <a:t>2019-02-06</a:t>
             </a:fld>
             <a:endParaRPr lang="ko-KR" altLang="en-US"/>
           </a:p>
@@ -904,7 +904,7 @@
             <a:fld id="{13F5E403-CF8D-48E8-A7F0-3359C62AF75A}" type="datetimeFigureOut">
               <a:rPr lang="ko-KR" altLang="en-US" smtClean="0"/>
               <a:pPr/>
-              <a:t>2019-01-28</a:t>
+              <a:t>2019-02-06</a:t>
             </a:fld>
             <a:endParaRPr lang="ko-KR" altLang="en-US"/>
           </a:p>
@@ -1071,7 +1071,7 @@
             <a:fld id="{13F5E403-CF8D-48E8-A7F0-3359C62AF75A}" type="datetimeFigureOut">
               <a:rPr lang="ko-KR" altLang="en-US" smtClean="0"/>
               <a:pPr/>
-              <a:t>2019-01-28</a:t>
+              <a:t>2019-02-06</a:t>
             </a:fld>
             <a:endParaRPr lang="ko-KR" altLang="en-US"/>
           </a:p>
@@ -1248,7 +1248,7 @@
             <a:fld id="{13F5E403-CF8D-48E8-A7F0-3359C62AF75A}" type="datetimeFigureOut">
               <a:rPr lang="ko-KR" altLang="en-US" smtClean="0"/>
               <a:pPr/>
-              <a:t>2019-01-28</a:t>
+              <a:t>2019-02-06</a:t>
             </a:fld>
             <a:endParaRPr lang="ko-KR" altLang="en-US"/>
           </a:p>
@@ -1415,7 +1415,7 @@
             <a:fld id="{13F5E403-CF8D-48E8-A7F0-3359C62AF75A}" type="datetimeFigureOut">
               <a:rPr lang="ko-KR" altLang="en-US" smtClean="0"/>
               <a:pPr/>
-              <a:t>2019-01-28</a:t>
+              <a:t>2019-02-06</a:t>
             </a:fld>
             <a:endParaRPr lang="ko-KR" altLang="en-US"/>
           </a:p>
@@ -1658,7 +1658,7 @@
             <a:fld id="{13F5E403-CF8D-48E8-A7F0-3359C62AF75A}" type="datetimeFigureOut">
               <a:rPr lang="ko-KR" altLang="en-US" smtClean="0"/>
               <a:pPr/>
-              <a:t>2019-01-28</a:t>
+              <a:t>2019-02-06</a:t>
             </a:fld>
             <a:endParaRPr lang="ko-KR" altLang="en-US"/>
           </a:p>
@@ -1943,7 +1943,7 @@
             <a:fld id="{13F5E403-CF8D-48E8-A7F0-3359C62AF75A}" type="datetimeFigureOut">
               <a:rPr lang="ko-KR" altLang="en-US" smtClean="0"/>
               <a:pPr/>
-              <a:t>2019-01-28</a:t>
+              <a:t>2019-02-06</a:t>
             </a:fld>
             <a:endParaRPr lang="ko-KR" altLang="en-US"/>
           </a:p>
@@ -2362,7 +2362,7 @@
             <a:fld id="{13F5E403-CF8D-48E8-A7F0-3359C62AF75A}" type="datetimeFigureOut">
               <a:rPr lang="ko-KR" altLang="en-US" smtClean="0"/>
               <a:pPr/>
-              <a:t>2019-01-28</a:t>
+              <a:t>2019-02-06</a:t>
             </a:fld>
             <a:endParaRPr lang="ko-KR" altLang="en-US"/>
           </a:p>
@@ -2477,7 +2477,7 @@
             <a:fld id="{13F5E403-CF8D-48E8-A7F0-3359C62AF75A}" type="datetimeFigureOut">
               <a:rPr lang="ko-KR" altLang="en-US" smtClean="0"/>
               <a:pPr/>
-              <a:t>2019-01-28</a:t>
+              <a:t>2019-02-06</a:t>
             </a:fld>
             <a:endParaRPr lang="ko-KR" altLang="en-US"/>
           </a:p>
@@ -2569,7 +2569,7 @@
             <a:fld id="{13F5E403-CF8D-48E8-A7F0-3359C62AF75A}" type="datetimeFigureOut">
               <a:rPr lang="ko-KR" altLang="en-US" smtClean="0"/>
               <a:pPr/>
-              <a:t>2019-01-28</a:t>
+              <a:t>2019-02-06</a:t>
             </a:fld>
             <a:endParaRPr lang="ko-KR" altLang="en-US"/>
           </a:p>
@@ -2843,7 +2843,7 @@
             <a:fld id="{13F5E403-CF8D-48E8-A7F0-3359C62AF75A}" type="datetimeFigureOut">
               <a:rPr lang="ko-KR" altLang="en-US" smtClean="0"/>
               <a:pPr/>
-              <a:t>2019-01-28</a:t>
+              <a:t>2019-02-06</a:t>
             </a:fld>
             <a:endParaRPr lang="ko-KR" altLang="en-US"/>
           </a:p>
@@ -3093,7 +3093,7 @@
             <a:fld id="{13F5E403-CF8D-48E8-A7F0-3359C62AF75A}" type="datetimeFigureOut">
               <a:rPr lang="ko-KR" altLang="en-US" smtClean="0"/>
               <a:pPr/>
-              <a:t>2019-01-28</a:t>
+              <a:t>2019-02-06</a:t>
             </a:fld>
             <a:endParaRPr lang="ko-KR" altLang="en-US"/>
           </a:p>
@@ -3303,7 +3303,7 @@
             <a:fld id="{13F5E403-CF8D-48E8-A7F0-3359C62AF75A}" type="datetimeFigureOut">
               <a:rPr lang="ko-KR" altLang="en-US" smtClean="0"/>
               <a:pPr/>
-              <a:t>2019-01-28</a:t>
+              <a:t>2019-02-06</a:t>
             </a:fld>
             <a:endParaRPr lang="ko-KR" altLang="en-US"/>
           </a:p>
@@ -8204,21 +8204,8 @@
                   <a:schemeClr val="tx1"/>
                 </a:solidFill>
               </a:rPr>
-              <a:t>aGridIndex </a:t>
-            </a:r>
-            <a:r>
-              <a:rPr lang="en-US" altLang="ko-KR" sz="1000" smtClean="0">
-                <a:solidFill>
-                  <a:schemeClr val="tx1"/>
-                </a:solidFill>
-              </a:rPr>
-              <a:t>&lt; 0</a:t>
-            </a:r>
-            <a:endParaRPr lang="en-US" altLang="ko-KR" sz="1000" smtClean="0">
-              <a:solidFill>
-                <a:schemeClr val="tx1"/>
-              </a:solidFill>
-            </a:endParaRPr>
+              <a:t>aGridIndex &lt; 0</a:t>
+            </a:r>
           </a:p>
         </p:txBody>
       </p:sp>
@@ -9939,6 +9926,160 @@
               <a:rPr lang="en-US" altLang="ko-KR" sz="1000" smtClean="0"/>
               <a:t>No</a:t>
             </a:r>
+          </a:p>
+        </p:txBody>
+      </p:sp>
+      <p:cxnSp>
+        <p:nvCxnSpPr>
+          <p:cNvPr id="76" name="직선 화살표 연결선 75"/>
+          <p:cNvCxnSpPr/>
+          <p:nvPr/>
+        </p:nvCxnSpPr>
+        <p:spPr>
+          <a:xfrm flipH="1">
+            <a:off x="11017324" y="3068960"/>
+            <a:ext cx="1656184" cy="432048"/>
+          </a:xfrm>
+          <a:prstGeom prst="straightConnector1">
+            <a:avLst/>
+          </a:prstGeom>
+          <a:ln>
+            <a:tailEnd type="arrow"/>
+          </a:ln>
+        </p:spPr>
+        <p:style>
+          <a:lnRef idx="1">
+            <a:schemeClr val="accent1"/>
+          </a:lnRef>
+          <a:fillRef idx="0">
+            <a:schemeClr val="accent1"/>
+          </a:fillRef>
+          <a:effectRef idx="0">
+            <a:schemeClr val="accent1"/>
+          </a:effectRef>
+          <a:fontRef idx="minor">
+            <a:schemeClr val="tx1"/>
+          </a:fontRef>
+        </p:style>
+      </p:cxnSp>
+      <p:sp>
+        <p:nvSpPr>
+          <p:cNvPr id="77" name="TextBox 76"/>
+          <p:cNvSpPr txBox="1"/>
+          <p:nvPr/>
+        </p:nvSpPr>
+        <p:spPr>
+          <a:xfrm>
+            <a:off x="12745516" y="2780928"/>
+            <a:ext cx="1221809" cy="430887"/>
+          </a:xfrm>
+          <a:prstGeom prst="rect">
+            <a:avLst/>
+          </a:prstGeom>
+          <a:noFill/>
+        </p:spPr>
+        <p:txBody>
+          <a:bodyPr wrap="none" rtlCol="0">
+            <a:spAutoFit/>
+          </a:bodyPr>
+          <a:lstStyle/>
+          <a:p>
+            <a:r>
+              <a:rPr lang="ko-KR" altLang="en-US" sz="1100" smtClean="0"/>
+              <a:t>여기 </a:t>
+            </a:r>
+            <a:r>
+              <a:rPr lang="en-US" altLang="ko-KR" sz="1100" smtClean="0"/>
+              <a:t>for</a:t>
+            </a:r>
+            <a:r>
+              <a:rPr lang="ko-KR" altLang="en-US" sz="1100" smtClean="0"/>
+              <a:t>문으로 </a:t>
+            </a:r>
+            <a:endParaRPr lang="en-US" altLang="ko-KR" sz="1100" smtClean="0"/>
+          </a:p>
+          <a:p>
+            <a:r>
+              <a:rPr lang="ko-KR" altLang="en-US" sz="1100" smtClean="0"/>
+              <a:t>짧게 할수있겠네</a:t>
+            </a:r>
+            <a:endParaRPr lang="ko-KR" altLang="en-US" sz="1100"/>
+          </a:p>
+        </p:txBody>
+      </p:sp>
+      <p:cxnSp>
+        <p:nvCxnSpPr>
+          <p:cNvPr id="79" name="직선 화살표 연결선 78"/>
+          <p:cNvCxnSpPr/>
+          <p:nvPr/>
+        </p:nvCxnSpPr>
+        <p:spPr>
+          <a:xfrm flipH="1">
+            <a:off x="11521380" y="476672"/>
+            <a:ext cx="1080120" cy="288032"/>
+          </a:xfrm>
+          <a:prstGeom prst="straightConnector1">
+            <a:avLst/>
+          </a:prstGeom>
+          <a:ln>
+            <a:tailEnd type="arrow"/>
+          </a:ln>
+        </p:spPr>
+        <p:style>
+          <a:lnRef idx="1">
+            <a:schemeClr val="accent1"/>
+          </a:lnRef>
+          <a:fillRef idx="0">
+            <a:schemeClr val="accent1"/>
+          </a:fillRef>
+          <a:effectRef idx="0">
+            <a:schemeClr val="accent1"/>
+          </a:effectRef>
+          <a:fontRef idx="minor">
+            <a:schemeClr val="tx1"/>
+          </a:fontRef>
+        </p:style>
+      </p:cxnSp>
+      <p:sp>
+        <p:nvSpPr>
+          <p:cNvPr id="81" name="TextBox 80"/>
+          <p:cNvSpPr txBox="1"/>
+          <p:nvPr/>
+        </p:nvSpPr>
+        <p:spPr>
+          <a:xfrm>
+            <a:off x="12529492" y="692696"/>
+            <a:ext cx="1172116" cy="600164"/>
+          </a:xfrm>
+          <a:prstGeom prst="rect">
+            <a:avLst/>
+          </a:prstGeom>
+          <a:noFill/>
+        </p:spPr>
+        <p:txBody>
+          <a:bodyPr wrap="none" rtlCol="0">
+            <a:spAutoFit/>
+          </a:bodyPr>
+          <a:lstStyle/>
+          <a:p>
+            <a:r>
+              <a:rPr lang="ko-KR" altLang="en-US" sz="1100" smtClean="0"/>
+              <a:t>이부분중복이야</a:t>
+            </a:r>
+            <a:endParaRPr lang="en-US" altLang="ko-KR" sz="1100" smtClean="0"/>
+          </a:p>
+          <a:p>
+            <a:r>
+              <a:rPr lang="ko-KR" altLang="en-US" sz="1100" smtClean="0"/>
+              <a:t>제거</a:t>
+            </a:r>
+            <a:r>
+              <a:rPr lang="en-US" altLang="ko-KR" sz="1100" smtClean="0"/>
+              <a:t>.</a:t>
+            </a:r>
+          </a:p>
+          <a:p>
+            <a:endParaRPr lang="ko-KR" altLang="en-US" sz="1100"/>
           </a:p>
         </p:txBody>
       </p:sp>
